--- a/ICT12367/สป.7/Lab7_ST.pptx
+++ b/ICT12367/สป.7/Lab7_ST.pptx
@@ -243,7 +243,7 @@
           <a:p>
             <a:fld id="{BDF39D13-7EAF-4394-9F97-21AE6A45DE3D}" type="datetimeFigureOut">
               <a:rPr lang="en-US" smtClean="0"/>
-              <a:t>3/2/2025</a:t>
+              <a:t>3/4/2025</a:t>
             </a:fld>
             <a:endParaRPr lang="en-US"/>
           </a:p>
@@ -420,7 +420,7 @@
           <a:p>
             <a:fld id="{201C0C8A-BD9D-464B-AD17-87EA256F4DAA}" type="datetimeFigureOut">
               <a:rPr lang="en-US" smtClean="0"/>
-              <a:t>3/2/2025</a:t>
+              <a:t>3/4/2025</a:t>
             </a:fld>
             <a:endParaRPr lang="en-US"/>
           </a:p>
@@ -18320,8 +18320,8 @@
         </p:nvSpPr>
         <p:spPr>
           <a:xfrm>
-            <a:off x="747787" y="5579742"/>
-            <a:ext cx="9038642" cy="515526"/>
+            <a:off x="466118" y="5567886"/>
+            <a:ext cx="9257858" cy="515526"/>
           </a:xfrm>
           <a:prstGeom prst="rect">
             <a:avLst/>
@@ -18374,7 +18374,7 @@
                 <a:latin typeface="Prompt ExtraLight" panose="00000300000000000000" pitchFamily="2" charset="-34"/>
                 <a:cs typeface="Prompt ExtraLight" panose="00000300000000000000" pitchFamily="2" charset="-34"/>
               </a:rPr>
-              <a:t>mana.py </a:t>
+              <a:t>manage.py </a:t>
             </a:r>
             <a:r>
               <a:rPr lang="th-TH" sz="2000" dirty="0">
@@ -18386,6 +18386,90 @@
             <a:endParaRPr lang="th-TH" sz="2000" b="1" dirty="0">
               <a:latin typeface="Prompt ExtraLight" panose="00000300000000000000" pitchFamily="2" charset="-34"/>
               <a:cs typeface="Prompt ExtraLight" panose="00000300000000000000" pitchFamily="2" charset="-34"/>
+            </a:endParaRPr>
+          </a:p>
+        </p:txBody>
+      </p:sp>
+      <p:sp>
+        <p:nvSpPr>
+          <p:cNvPr id="12" name="TextBox 11">
+            <a:extLst>
+              <a:ext uri="{FF2B5EF4-FFF2-40B4-BE49-F238E27FC236}">
+                <a16:creationId xmlns:a16="http://schemas.microsoft.com/office/drawing/2014/main" id="{749E1F1A-E203-9405-797A-F748C5507742}"/>
+              </a:ext>
+            </a:extLst>
+          </p:cNvPr>
+          <p:cNvSpPr txBox="1"/>
+          <p:nvPr/>
+        </p:nvSpPr>
+        <p:spPr>
+          <a:xfrm>
+            <a:off x="5676138" y="6310312"/>
+            <a:ext cx="6140196" cy="369332"/>
+          </a:xfrm>
+          <a:prstGeom prst="rect">
+            <a:avLst/>
+          </a:prstGeom>
+          <a:noFill/>
+        </p:spPr>
+        <p:txBody>
+          <a:bodyPr wrap="square">
+            <a:spAutoFit/>
+          </a:bodyPr>
+          <a:lstStyle/>
+          <a:p>
+            <a:r>
+              <a:rPr lang="en-US" dirty="0">
+                <a:solidFill>
+                  <a:srgbClr val="FF0000"/>
+                </a:solidFill>
+              </a:rPr>
+              <a:t>python -m </a:t>
+            </a:r>
+            <a:r>
+              <a:rPr lang="en-US" dirty="0" err="1">
+                <a:solidFill>
+                  <a:srgbClr val="FF0000"/>
+                </a:solidFill>
+              </a:rPr>
+              <a:t>django</a:t>
+            </a:r>
+            <a:r>
+              <a:rPr lang="en-US" dirty="0">
+                <a:solidFill>
+                  <a:srgbClr val="FF0000"/>
+                </a:solidFill>
+              </a:rPr>
+              <a:t> </a:t>
+            </a:r>
+            <a:r>
+              <a:rPr lang="en-US" dirty="0" err="1">
+                <a:solidFill>
+                  <a:srgbClr val="FF0000"/>
+                </a:solidFill>
+              </a:rPr>
+              <a:t>startproject</a:t>
+            </a:r>
+            <a:r>
+              <a:rPr lang="en-US" dirty="0">
+                <a:solidFill>
+                  <a:srgbClr val="FF0000"/>
+                </a:solidFill>
+              </a:rPr>
+              <a:t> </a:t>
+            </a:r>
+            <a:r>
+              <a:rPr lang="en-US" dirty="0" err="1">
+                <a:solidFill>
+                  <a:srgbClr val="FF0000"/>
+                </a:solidFill>
+              </a:rPr>
+              <a:t>myproject</a:t>
+            </a:r>
+            <a:endParaRPr lang="en-US" dirty="0">
+              <a:solidFill>
+                <a:srgbClr val="FF0000"/>
+              </a:solidFill>
             </a:endParaRPr>
           </a:p>
         </p:txBody>
@@ -21180,7 +21264,7 @@
                 <a:latin typeface="Prompt ExtraLight" panose="00000300000000000000" pitchFamily="2" charset="-34"/>
                 <a:cs typeface="Prompt ExtraLight" panose="00000300000000000000" pitchFamily="2" charset="-34"/>
               </a:rPr>
-              <a:t>กลับไปที่โปรเจกต์ มันจะไฟล์ที่ถูกสร้างขึ้นมาคือ </a:t>
+              <a:t>กลับไปที่โปรเจกต์ จะมีไฟล์ที่ถูกสร้างขึ้นมาคือ </a:t>
             </a:r>
             <a:r>
               <a:rPr lang="en-US" sz="2000" dirty="0">
